--- a/DATA/BP.pptx
+++ b/DATA/BP.pptx
@@ -6,7 +6,6 @@
   </p:sldMasterIdLst>
   <p:sldIdLst>
     <p:sldId id="256" r:id="rId2"/>
-    <p:sldId id="257" r:id="rId3"/>
   </p:sldIdLst>
   <p:sldSz cx="12192000" cy="6858000"/>
   <p:notesSz cx="6858000" cy="9144000"/>
@@ -260,7 +259,7 @@
           <a:p>
             <a:fld id="{594D2CB0-1BE6-3F47-AD89-DEA7CD3F203F}" type="datetimeFigureOut">
               <a:rPr lang="en-US" smtClean="0"/>
-              <a:t>7/23/2019</a:t>
+              <a:t>7/24/19</a:t>
             </a:fld>
             <a:endParaRPr lang="en-US"/>
           </a:p>
@@ -458,7 +457,7 @@
           <a:p>
             <a:fld id="{594D2CB0-1BE6-3F47-AD89-DEA7CD3F203F}" type="datetimeFigureOut">
               <a:rPr lang="en-US" smtClean="0"/>
-              <a:t>7/23/2019</a:t>
+              <a:t>7/24/19</a:t>
             </a:fld>
             <a:endParaRPr lang="en-US"/>
           </a:p>
@@ -666,7 +665,7 @@
           <a:p>
             <a:fld id="{594D2CB0-1BE6-3F47-AD89-DEA7CD3F203F}" type="datetimeFigureOut">
               <a:rPr lang="en-US" smtClean="0"/>
-              <a:t>7/23/2019</a:t>
+              <a:t>7/24/19</a:t>
             </a:fld>
             <a:endParaRPr lang="en-US"/>
           </a:p>
@@ -864,7 +863,7 @@
           <a:p>
             <a:fld id="{594D2CB0-1BE6-3F47-AD89-DEA7CD3F203F}" type="datetimeFigureOut">
               <a:rPr lang="en-US" smtClean="0"/>
-              <a:t>7/23/2019</a:t>
+              <a:t>7/24/19</a:t>
             </a:fld>
             <a:endParaRPr lang="en-US"/>
           </a:p>
@@ -1139,7 +1138,7 @@
           <a:p>
             <a:fld id="{594D2CB0-1BE6-3F47-AD89-DEA7CD3F203F}" type="datetimeFigureOut">
               <a:rPr lang="en-US" smtClean="0"/>
-              <a:t>7/23/2019</a:t>
+              <a:t>7/24/19</a:t>
             </a:fld>
             <a:endParaRPr lang="en-US"/>
           </a:p>
@@ -1404,7 +1403,7 @@
           <a:p>
             <a:fld id="{594D2CB0-1BE6-3F47-AD89-DEA7CD3F203F}" type="datetimeFigureOut">
               <a:rPr lang="en-US" smtClean="0"/>
-              <a:t>7/23/2019</a:t>
+              <a:t>7/24/19</a:t>
             </a:fld>
             <a:endParaRPr lang="en-US"/>
           </a:p>
@@ -1816,7 +1815,7 @@
           <a:p>
             <a:fld id="{594D2CB0-1BE6-3F47-AD89-DEA7CD3F203F}" type="datetimeFigureOut">
               <a:rPr lang="en-US" smtClean="0"/>
-              <a:t>7/23/2019</a:t>
+              <a:t>7/24/19</a:t>
             </a:fld>
             <a:endParaRPr lang="en-US"/>
           </a:p>
@@ -1957,7 +1956,7 @@
           <a:p>
             <a:fld id="{594D2CB0-1BE6-3F47-AD89-DEA7CD3F203F}" type="datetimeFigureOut">
               <a:rPr lang="en-US" smtClean="0"/>
-              <a:t>7/23/2019</a:t>
+              <a:t>7/24/19</a:t>
             </a:fld>
             <a:endParaRPr lang="en-US"/>
           </a:p>
@@ -2070,7 +2069,7 @@
           <a:p>
             <a:fld id="{594D2CB0-1BE6-3F47-AD89-DEA7CD3F203F}" type="datetimeFigureOut">
               <a:rPr lang="en-US" smtClean="0"/>
-              <a:t>7/23/2019</a:t>
+              <a:t>7/24/19</a:t>
             </a:fld>
             <a:endParaRPr lang="en-US"/>
           </a:p>
@@ -2381,7 +2380,7 @@
           <a:p>
             <a:fld id="{594D2CB0-1BE6-3F47-AD89-DEA7CD3F203F}" type="datetimeFigureOut">
               <a:rPr lang="en-US" smtClean="0"/>
-              <a:t>7/23/2019</a:t>
+              <a:t>7/24/19</a:t>
             </a:fld>
             <a:endParaRPr lang="en-US"/>
           </a:p>
@@ -2669,7 +2668,7 @@
           <a:p>
             <a:fld id="{594D2CB0-1BE6-3F47-AD89-DEA7CD3F203F}" type="datetimeFigureOut">
               <a:rPr lang="en-US" smtClean="0"/>
-              <a:t>7/23/2019</a:t>
+              <a:t>7/24/19</a:t>
             </a:fld>
             <a:endParaRPr lang="en-US"/>
           </a:p>
@@ -2910,7 +2909,7 @@
           <a:p>
             <a:fld id="{594D2CB0-1BE6-3F47-AD89-DEA7CD3F203F}" type="datetimeFigureOut">
               <a:rPr lang="en-US" smtClean="0"/>
-              <a:t>7/23/2019</a:t>
+              <a:t>7/24/19</a:t>
             </a:fld>
             <a:endParaRPr lang="en-US"/>
           </a:p>
@@ -3977,7 +3976,7 @@
         </p:nvSpPr>
         <p:spPr>
           <a:xfrm>
-            <a:off x="3659557" y="1910463"/>
+            <a:off x="3669289" y="1910463"/>
             <a:ext cx="947889" cy="523220"/>
           </a:xfrm>
           <a:prstGeom prst="rect">
@@ -4162,7 +4161,7 @@
         </p:nvSpPr>
         <p:spPr>
           <a:xfrm>
-            <a:off x="6610740" y="1384815"/>
+            <a:off x="6672384" y="1384815"/>
             <a:ext cx="2478948" cy="369332"/>
           </a:xfrm>
           <a:prstGeom prst="rect">
@@ -4197,7 +4196,7 @@
         </p:nvSpPr>
         <p:spPr>
           <a:xfrm>
-            <a:off x="6368013" y="2088841"/>
+            <a:off x="6429657" y="2088841"/>
             <a:ext cx="2964401" cy="923330"/>
           </a:xfrm>
           <a:prstGeom prst="rect">
@@ -4247,7 +4246,7 @@
         </p:nvSpPr>
         <p:spPr>
           <a:xfrm>
-            <a:off x="2324298" y="4188887"/>
+            <a:off x="2381507" y="4190238"/>
             <a:ext cx="2298602" cy="523220"/>
           </a:xfrm>
           <a:prstGeom prst="rect">
@@ -4291,199 +4290,6 @@
           </a:prstGeom>
           <a:noFill/>
           <a:ln>
-            <a:solidFill>
-              <a:schemeClr val="tx1"/>
-            </a:solidFill>
-          </a:ln>
-        </p:spPr>
-        <p:style>
-          <a:lnRef idx="2">
-            <a:schemeClr val="accent1">
-              <a:shade val="50000"/>
-            </a:schemeClr>
-          </a:lnRef>
-          <a:fillRef idx="1">
-            <a:schemeClr val="accent1"/>
-          </a:fillRef>
-          <a:effectRef idx="0">
-            <a:schemeClr val="accent1"/>
-          </a:effectRef>
-          <a:fontRef idx="minor">
-            <a:schemeClr val="lt1"/>
-          </a:fontRef>
-        </p:style>
-        <p:txBody>
-          <a:bodyPr rtlCol="0" anchor="ctr"/>
-          <a:lstStyle/>
-          <a:p>
-            <a:pPr algn="ctr"/>
-            <a:r>
-              <a:rPr lang="en-US" sz="2000" dirty="0" err="1">
-                <a:solidFill>
-                  <a:schemeClr val="tx1"/>
-                </a:solidFill>
-              </a:rPr>
-              <a:t>ComBat</a:t>
-            </a:r>
-            <a:endParaRPr lang="en-US" sz="2000" dirty="0">
-              <a:solidFill>
-                <a:schemeClr val="tx1"/>
-              </a:solidFill>
-            </a:endParaRPr>
-          </a:p>
-        </p:txBody>
-      </p:sp>
-      <p:sp>
-        <p:nvSpPr>
-          <p:cNvPr id="50" name="矩形 49">
-            <a:extLst>
-              <a:ext uri="{FF2B5EF4-FFF2-40B4-BE49-F238E27FC236}">
-                <a16:creationId xmlns:a16="http://schemas.microsoft.com/office/drawing/2014/main" id="{AF3398EE-2A08-4813-A8C9-2E6D7FE688F4}"/>
-              </a:ext>
-            </a:extLst>
-          </p:cNvPr>
-          <p:cNvSpPr/>
-          <p:nvPr/>
-        </p:nvSpPr>
-        <p:spPr>
-          <a:xfrm>
-            <a:off x="4970721" y="4647466"/>
-            <a:ext cx="1335759" cy="355743"/>
-          </a:xfrm>
-          <a:prstGeom prst="rect">
-            <a:avLst/>
-          </a:prstGeom>
-          <a:noFill/>
-          <a:ln>
-            <a:solidFill>
-              <a:schemeClr val="tx1"/>
-            </a:solidFill>
-          </a:ln>
-        </p:spPr>
-        <p:style>
-          <a:lnRef idx="2">
-            <a:schemeClr val="accent1">
-              <a:shade val="50000"/>
-            </a:schemeClr>
-          </a:lnRef>
-          <a:fillRef idx="1">
-            <a:schemeClr val="accent1"/>
-          </a:fillRef>
-          <a:effectRef idx="0">
-            <a:schemeClr val="accent1"/>
-          </a:effectRef>
-          <a:fontRef idx="minor">
-            <a:schemeClr val="lt1"/>
-          </a:fontRef>
-        </p:style>
-        <p:txBody>
-          <a:bodyPr rtlCol="0" anchor="ctr"/>
-          <a:lstStyle/>
-          <a:p>
-            <a:pPr algn="ctr"/>
-            <a:r>
-              <a:rPr lang="en-US" sz="2000" dirty="0">
-                <a:solidFill>
-                  <a:schemeClr val="tx1"/>
-                </a:solidFill>
-              </a:rPr>
-              <a:t>BBKNN</a:t>
-            </a:r>
-          </a:p>
-        </p:txBody>
-      </p:sp>
-      <p:sp>
-        <p:nvSpPr>
-          <p:cNvPr id="51" name="文本框 50">
-            <a:extLst>
-              <a:ext uri="{FF2B5EF4-FFF2-40B4-BE49-F238E27FC236}">
-                <a16:creationId xmlns:a16="http://schemas.microsoft.com/office/drawing/2014/main" id="{6D8369F6-6345-4336-AD64-9E95CE2E8F06}"/>
-              </a:ext>
-            </a:extLst>
-          </p:cNvPr>
-          <p:cNvSpPr txBox="1"/>
-          <p:nvPr/>
-        </p:nvSpPr>
-        <p:spPr>
-          <a:xfrm>
-            <a:off x="6835005" y="3942107"/>
-            <a:ext cx="2163606" cy="369332"/>
-          </a:xfrm>
-          <a:prstGeom prst="rect">
-            <a:avLst/>
-          </a:prstGeom>
-          <a:noFill/>
-        </p:spPr>
-        <p:txBody>
-          <a:bodyPr wrap="none" rtlCol="0">
-            <a:spAutoFit/>
-          </a:bodyPr>
-          <a:lstStyle/>
-          <a:p>
-            <a:r>
-              <a:rPr lang="en-US" dirty="0"/>
-              <a:t>Adjust remaining PCs</a:t>
-            </a:r>
-          </a:p>
-        </p:txBody>
-      </p:sp>
-      <p:sp>
-        <p:nvSpPr>
-          <p:cNvPr id="52" name="文本框 51">
-            <a:extLst>
-              <a:ext uri="{FF2B5EF4-FFF2-40B4-BE49-F238E27FC236}">
-                <a16:creationId xmlns:a16="http://schemas.microsoft.com/office/drawing/2014/main" id="{263FF408-AAB5-49B4-BADE-B30E0F4ABCE6}"/>
-              </a:ext>
-            </a:extLst>
-          </p:cNvPr>
-          <p:cNvSpPr txBox="1"/>
-          <p:nvPr/>
-        </p:nvSpPr>
-        <p:spPr>
-          <a:xfrm>
-            <a:off x="6506871" y="4589119"/>
-            <a:ext cx="2819875" cy="369332"/>
-          </a:xfrm>
-          <a:prstGeom prst="rect">
-            <a:avLst/>
-          </a:prstGeom>
-          <a:noFill/>
-        </p:spPr>
-        <p:txBody>
-          <a:bodyPr wrap="none" rtlCol="0">
-            <a:spAutoFit/>
-          </a:bodyPr>
-          <a:lstStyle/>
-          <a:p>
-            <a:r>
-              <a:rPr lang="en-US" dirty="0"/>
-              <a:t>Improve UMAP visualization</a:t>
-            </a:r>
-          </a:p>
-        </p:txBody>
-      </p:sp>
-      <p:sp>
-        <p:nvSpPr>
-          <p:cNvPr id="53" name="矩形 52">
-            <a:extLst>
-              <a:ext uri="{FF2B5EF4-FFF2-40B4-BE49-F238E27FC236}">
-                <a16:creationId xmlns:a16="http://schemas.microsoft.com/office/drawing/2014/main" id="{C1681E06-FCD6-4D9D-95D6-38E5A28465E6}"/>
-              </a:ext>
-            </a:extLst>
-          </p:cNvPr>
-          <p:cNvSpPr/>
-          <p:nvPr/>
-        </p:nvSpPr>
-        <p:spPr>
-          <a:xfrm>
-            <a:off x="4832509" y="1242208"/>
-            <a:ext cx="4990973" cy="2017337"/>
-          </a:xfrm>
-          <a:prstGeom prst="rect">
-            <a:avLst/>
-          </a:prstGeom>
-          <a:noFill/>
-          <a:ln w="28575">
             <a:solidFill>
               <a:schemeClr val="tx1"/>
             </a:solidFill>
@@ -4511,16 +4317,28 @@
           <a:lstStyle/>
           <a:p>
             <a:pPr algn="ctr"/>
-            <a:endParaRPr lang="en-US"/>
-          </a:p>
-        </p:txBody>
-      </p:sp>
-      <p:sp>
-        <p:nvSpPr>
-          <p:cNvPr id="54" name="矩形 53">
-            <a:extLst>
-              <a:ext uri="{FF2B5EF4-FFF2-40B4-BE49-F238E27FC236}">
-                <a16:creationId xmlns:a16="http://schemas.microsoft.com/office/drawing/2014/main" id="{8C3E36F0-38C4-464E-980D-66CFE27654DC}"/>
+            <a:r>
+              <a:rPr lang="en-US" sz="2000" dirty="0" err="1">
+                <a:solidFill>
+                  <a:schemeClr val="tx1"/>
+                </a:solidFill>
+              </a:rPr>
+              <a:t>ComBat</a:t>
+            </a:r>
+            <a:endParaRPr lang="en-US" sz="2000" dirty="0">
+              <a:solidFill>
+                <a:schemeClr val="tx1"/>
+              </a:solidFill>
+            </a:endParaRPr>
+          </a:p>
+        </p:txBody>
+      </p:sp>
+      <p:sp>
+        <p:nvSpPr>
+          <p:cNvPr id="50" name="矩形 49">
+            <a:extLst>
+              <a:ext uri="{FF2B5EF4-FFF2-40B4-BE49-F238E27FC236}">
+                <a16:creationId xmlns:a16="http://schemas.microsoft.com/office/drawing/2014/main" id="{AF3398EE-2A08-4813-A8C9-2E6D7FE688F4}"/>
               </a:ext>
             </a:extLst>
           </p:cNvPr>
@@ -4529,18 +4347,148 @@
         </p:nvSpPr>
         <p:spPr>
           <a:xfrm>
-            <a:off x="4823291" y="3699529"/>
-            <a:ext cx="4990973" cy="1501937"/>
+            <a:off x="4970721" y="4647466"/>
+            <a:ext cx="1335759" cy="355743"/>
           </a:xfrm>
           <a:prstGeom prst="rect">
             <a:avLst/>
           </a:prstGeom>
           <a:noFill/>
-          <a:ln w="28575">
+          <a:ln>
             <a:solidFill>
               <a:schemeClr val="tx1"/>
             </a:solidFill>
             <a:prstDash val="dash"/>
+          </a:ln>
+        </p:spPr>
+        <p:style>
+          <a:lnRef idx="2">
+            <a:schemeClr val="accent1">
+              <a:shade val="50000"/>
+            </a:schemeClr>
+          </a:lnRef>
+          <a:fillRef idx="1">
+            <a:schemeClr val="accent1"/>
+          </a:fillRef>
+          <a:effectRef idx="0">
+            <a:schemeClr val="accent1"/>
+          </a:effectRef>
+          <a:fontRef idx="minor">
+            <a:schemeClr val="lt1"/>
+          </a:fontRef>
+        </p:style>
+        <p:txBody>
+          <a:bodyPr rtlCol="0" anchor="ctr"/>
+          <a:lstStyle/>
+          <a:p>
+            <a:pPr algn="ctr"/>
+            <a:r>
+              <a:rPr lang="en-US" sz="2000" dirty="0">
+                <a:solidFill>
+                  <a:schemeClr val="tx1"/>
+                </a:solidFill>
+              </a:rPr>
+              <a:t>BBKNN</a:t>
+            </a:r>
+          </a:p>
+        </p:txBody>
+      </p:sp>
+      <p:sp>
+        <p:nvSpPr>
+          <p:cNvPr id="51" name="文本框 50">
+            <a:extLst>
+              <a:ext uri="{FF2B5EF4-FFF2-40B4-BE49-F238E27FC236}">
+                <a16:creationId xmlns:a16="http://schemas.microsoft.com/office/drawing/2014/main" id="{6D8369F6-6345-4336-AD64-9E95CE2E8F06}"/>
+              </a:ext>
+            </a:extLst>
+          </p:cNvPr>
+          <p:cNvSpPr txBox="1"/>
+          <p:nvPr/>
+        </p:nvSpPr>
+        <p:spPr>
+          <a:xfrm>
+            <a:off x="6835005" y="3942107"/>
+            <a:ext cx="2163606" cy="369332"/>
+          </a:xfrm>
+          <a:prstGeom prst="rect">
+            <a:avLst/>
+          </a:prstGeom>
+          <a:noFill/>
+        </p:spPr>
+        <p:txBody>
+          <a:bodyPr wrap="none" rtlCol="0">
+            <a:spAutoFit/>
+          </a:bodyPr>
+          <a:lstStyle/>
+          <a:p>
+            <a:r>
+              <a:rPr lang="en-US" dirty="0"/>
+              <a:t>Adjust remaining PCs</a:t>
+            </a:r>
+          </a:p>
+        </p:txBody>
+      </p:sp>
+      <p:sp>
+        <p:nvSpPr>
+          <p:cNvPr id="52" name="文本框 51">
+            <a:extLst>
+              <a:ext uri="{FF2B5EF4-FFF2-40B4-BE49-F238E27FC236}">
+                <a16:creationId xmlns:a16="http://schemas.microsoft.com/office/drawing/2014/main" id="{263FF408-AAB5-49B4-BADE-B30E0F4ABCE6}"/>
+              </a:ext>
+            </a:extLst>
+          </p:cNvPr>
+          <p:cNvSpPr txBox="1"/>
+          <p:nvPr/>
+        </p:nvSpPr>
+        <p:spPr>
+          <a:xfrm>
+            <a:off x="6506871" y="4589119"/>
+            <a:ext cx="2819875" cy="369332"/>
+          </a:xfrm>
+          <a:prstGeom prst="rect">
+            <a:avLst/>
+          </a:prstGeom>
+          <a:noFill/>
+        </p:spPr>
+        <p:txBody>
+          <a:bodyPr wrap="none" rtlCol="0">
+            <a:spAutoFit/>
+          </a:bodyPr>
+          <a:lstStyle/>
+          <a:p>
+            <a:r>
+              <a:rPr lang="en-US" dirty="0"/>
+              <a:t>Improve UMAP visualization</a:t>
+            </a:r>
+          </a:p>
+        </p:txBody>
+      </p:sp>
+      <p:sp>
+        <p:nvSpPr>
+          <p:cNvPr id="53" name="矩形 52">
+            <a:extLst>
+              <a:ext uri="{FF2B5EF4-FFF2-40B4-BE49-F238E27FC236}">
+                <a16:creationId xmlns:a16="http://schemas.microsoft.com/office/drawing/2014/main" id="{C1681E06-FCD6-4D9D-95D6-38E5A28465E6}"/>
+              </a:ext>
+            </a:extLst>
+          </p:cNvPr>
+          <p:cNvSpPr/>
+          <p:nvPr/>
+        </p:nvSpPr>
+        <p:spPr>
+          <a:xfrm>
+            <a:off x="4832510" y="1242208"/>
+            <a:ext cx="4660812" cy="2017337"/>
+          </a:xfrm>
+          <a:prstGeom prst="rect">
+            <a:avLst/>
+          </a:prstGeom>
+          <a:noFill/>
+          <a:ln w="12700">
+            <a:solidFill>
+              <a:schemeClr val="tx1"/>
+            </a:solidFill>
+            <a:prstDash val="solid"/>
           </a:ln>
         </p:spPr>
         <p:style>
@@ -4728,6 +4676,7 @@
             <a:solidFill>
               <a:schemeClr val="tx1"/>
             </a:solidFill>
+            <a:prstDash val="dash"/>
             <a:tailEnd type="triangle"/>
           </a:ln>
         </p:spPr>
@@ -4774,6 +4723,7 @@
             <a:solidFill>
               <a:schemeClr val="tx1"/>
             </a:solidFill>
+            <a:prstDash val="dash"/>
             <a:tailEnd type="triangle"/>
           </a:ln>
         </p:spPr>
@@ -4806,7 +4756,7 @@
         </p:nvGrpSpPr>
         <p:grpSpPr>
           <a:xfrm>
-            <a:off x="5302600" y="5576459"/>
+            <a:off x="5283053" y="5435159"/>
             <a:ext cx="868220" cy="955971"/>
             <a:chOff x="4151744" y="2255978"/>
             <a:chExt cx="868220" cy="955971"/>
@@ -5419,7 +5369,7 @@
         <p:spPr>
           <a:xfrm flipH="1">
             <a:off x="5638600" y="5003209"/>
-            <a:ext cx="1" cy="479128"/>
+            <a:ext cx="1" cy="322943"/>
           </a:xfrm>
           <a:prstGeom prst="straightConnector1">
             <a:avLst/>
@@ -5428,6 +5378,7 @@
             <a:solidFill>
               <a:schemeClr val="tx1"/>
             </a:solidFill>
+            <a:prstDash val="dash"/>
             <a:tailEnd type="triangle"/>
           </a:ln>
         </p:spPr>
@@ -5446,96 +5397,12 @@
           </a:fontRef>
         </p:style>
       </p:cxnSp>
-      <p:sp>
-        <p:nvSpPr>
-          <p:cNvPr id="84" name="矩形 83">
-            <a:extLst>
-              <a:ext uri="{FF2B5EF4-FFF2-40B4-BE49-F238E27FC236}">
-                <a16:creationId xmlns:a16="http://schemas.microsoft.com/office/drawing/2014/main" id="{EABE5805-0290-4607-8347-0C26FFCB37A5}"/>
-              </a:ext>
-            </a:extLst>
-          </p:cNvPr>
-          <p:cNvSpPr/>
-          <p:nvPr/>
-        </p:nvSpPr>
-        <p:spPr>
-          <a:xfrm>
-            <a:off x="2011570" y="157899"/>
-            <a:ext cx="8408709" cy="6542202"/>
-          </a:xfrm>
-          <a:prstGeom prst="rect">
-            <a:avLst/>
-          </a:prstGeom>
-          <a:solidFill>
-            <a:srgbClr val="00B0F0">
-              <a:alpha val="10000"/>
-            </a:srgbClr>
-          </a:solidFill>
-          <a:ln>
-            <a:noFill/>
-          </a:ln>
-        </p:spPr>
-        <p:style>
-          <a:lnRef idx="2">
-            <a:schemeClr val="accent1">
-              <a:shade val="50000"/>
-            </a:schemeClr>
-          </a:lnRef>
-          <a:fillRef idx="1">
-            <a:schemeClr val="accent1"/>
-          </a:fillRef>
-          <a:effectRef idx="0">
-            <a:schemeClr val="accent1"/>
-          </a:effectRef>
-          <a:fontRef idx="minor">
-            <a:schemeClr val="lt1"/>
-          </a:fontRef>
-        </p:style>
-        <p:txBody>
-          <a:bodyPr rtlCol="0" anchor="ctr"/>
-          <a:lstStyle/>
-          <a:p>
-            <a:pPr algn="ctr"/>
-            <a:endParaRPr lang="en-US"/>
-          </a:p>
-        </p:txBody>
-      </p:sp>
-    </p:spTree>
-    <p:extLst>
-      <p:ext uri="{BB962C8B-B14F-4D97-AF65-F5344CB8AC3E}">
-        <p14:creationId xmlns:p14="http://schemas.microsoft.com/office/powerpoint/2010/main" val="3076458236"/>
-      </p:ext>
-    </p:extLst>
-  </p:cSld>
-  <p:clrMapOvr>
-    <a:masterClrMapping/>
-  </p:clrMapOvr>
-</p:sld>
-</file>
-
-<file path=ppt/slides/slide2.xml><?xml version="1.0" encoding="utf-8"?>
-<p:sld xmlns:a="http://schemas.openxmlformats.org/drawingml/2006/main" xmlns:r="http://schemas.openxmlformats.org/officeDocument/2006/relationships" xmlns:p="http://schemas.openxmlformats.org/presentationml/2006/main">
-  <p:cSld>
-    <p:spTree>
-      <p:nvGrpSpPr>
-        <p:cNvPr id="1" name=""/>
-        <p:cNvGrpSpPr/>
-        <p:nvPr/>
-      </p:nvGrpSpPr>
-      <p:grpSpPr>
-        <a:xfrm>
-          <a:off x="0" y="0"/>
-          <a:ext cx="0" cy="0"/>
-          <a:chOff x="0" y="0"/>
-          <a:chExt cx="0" cy="0"/>
-        </a:xfrm>
-      </p:grpSpPr>
       <p:pic>
         <p:nvPicPr>
-          <p:cNvPr id="4" name="图片 3">
-            <a:extLst>
-              <a:ext uri="{FF2B5EF4-FFF2-40B4-BE49-F238E27FC236}">
-                <a16:creationId xmlns:a16="http://schemas.microsoft.com/office/drawing/2014/main" id="{39ED9960-75CE-4CFD-B3DB-AACE65FAAB53}"/>
+          <p:cNvPr id="2" name="Picture 1">
+            <a:extLst>
+              <a:ext uri="{FF2B5EF4-FFF2-40B4-BE49-F238E27FC236}">
+                <a16:creationId xmlns:a16="http://schemas.microsoft.com/office/drawing/2014/main" id="{F3D68891-62E1-524D-B397-51F40F26712A}"/>
               </a:ext>
             </a:extLst>
           </p:cNvPr>
@@ -5552,8 +5419,8 @@
         </p:blipFill>
         <p:spPr>
           <a:xfrm>
-            <a:off x="1892443" y="158212"/>
-            <a:ext cx="8407113" cy="6541575"/>
+            <a:off x="2393759" y="1446516"/>
+            <a:ext cx="1215301" cy="1215301"/>
           </a:xfrm>
           <a:prstGeom prst="rect">
             <a:avLst/>
@@ -5563,7 +5430,7 @@
     </p:spTree>
     <p:extLst>
       <p:ext uri="{BB962C8B-B14F-4D97-AF65-F5344CB8AC3E}">
-        <p14:creationId xmlns:p14="http://schemas.microsoft.com/office/powerpoint/2010/main" val="355865354"/>
+        <p14:creationId xmlns:p14="http://schemas.microsoft.com/office/powerpoint/2010/main" val="3076458236"/>
       </p:ext>
     </p:extLst>
   </p:cSld>

--- a/DATA/BP.pptx
+++ b/DATA/BP.pptx
@@ -3964,41 +3964,6 @@
       </p:grpSp>
       <p:sp>
         <p:nvSpPr>
-          <p:cNvPr id="43" name="TextBox 42">
-            <a:extLst>
-              <a:ext uri="{FF2B5EF4-FFF2-40B4-BE49-F238E27FC236}">
-                <a16:creationId xmlns:a16="http://schemas.microsoft.com/office/drawing/2014/main" id="{AAA9D7F0-456E-C248-8B57-D1549EC3AF16}"/>
-              </a:ext>
-            </a:extLst>
-          </p:cNvPr>
-          <p:cNvSpPr txBox="1"/>
-          <p:nvPr/>
-        </p:nvSpPr>
-        <p:spPr>
-          <a:xfrm>
-            <a:off x="3669289" y="1910463"/>
-            <a:ext cx="947889" cy="523220"/>
-          </a:xfrm>
-          <a:prstGeom prst="rect">
-            <a:avLst/>
-          </a:prstGeom>
-          <a:noFill/>
-        </p:spPr>
-        <p:txBody>
-          <a:bodyPr wrap="square" rtlCol="0">
-            <a:spAutoFit/>
-          </a:bodyPr>
-          <a:lstStyle/>
-          <a:p>
-            <a:r>
-              <a:rPr lang="en-US" sz="2800" b="1" dirty="0"/>
-              <a:t>Basic</a:t>
-            </a:r>
-          </a:p>
-        </p:txBody>
-      </p:sp>
-      <p:sp>
-        <p:nvSpPr>
           <p:cNvPr id="11" name="矩形 10">
             <a:extLst>
               <a:ext uri="{FF2B5EF4-FFF2-40B4-BE49-F238E27FC236}">
@@ -4246,8 +4211,8 @@
         </p:nvSpPr>
         <p:spPr>
           <a:xfrm>
-            <a:off x="2381507" y="4190238"/>
-            <a:ext cx="2298602" cy="523220"/>
+            <a:off x="2408765" y="4129338"/>
+            <a:ext cx="2298602" cy="800219"/>
           </a:xfrm>
           <a:prstGeom prst="rect">
             <a:avLst/>
@@ -4264,6 +4229,13 @@
             <a:r>
               <a:rPr lang="en-US" sz="2800" b="1" dirty="0"/>
               <a:t>Enhancement</a:t>
+            </a:r>
+          </a:p>
+          <a:p>
+            <a:pPr algn="ctr"/>
+            <a:r>
+              <a:rPr lang="en-US" b="1" dirty="0"/>
+              <a:t>( optional )</a:t>
             </a:r>
           </a:p>
         </p:txBody>
@@ -5419,14 +5391,66 @@
         </p:blipFill>
         <p:spPr>
           <a:xfrm>
-            <a:off x="2393759" y="1446516"/>
-            <a:ext cx="1215301" cy="1215301"/>
+            <a:off x="2904822" y="1502021"/>
+            <a:ext cx="1338024" cy="1338024"/>
           </a:xfrm>
           <a:prstGeom prst="rect">
             <a:avLst/>
           </a:prstGeom>
         </p:spPr>
       </p:pic>
+      <p:sp>
+        <p:nvSpPr>
+          <p:cNvPr id="3" name="Rectangle 2">
+            <a:extLst>
+              <a:ext uri="{FF2B5EF4-FFF2-40B4-BE49-F238E27FC236}">
+                <a16:creationId xmlns:a16="http://schemas.microsoft.com/office/drawing/2014/main" id="{BDC51E2C-D0BC-144F-89CF-900780CEA5A9}"/>
+              </a:ext>
+            </a:extLst>
+          </p:cNvPr>
+          <p:cNvSpPr/>
+          <p:nvPr/>
+        </p:nvSpPr>
+        <p:spPr>
+          <a:xfrm>
+            <a:off x="2257523" y="213189"/>
+            <a:ext cx="7525711" cy="6341724"/>
+          </a:xfrm>
+          <a:prstGeom prst="rect">
+            <a:avLst/>
+          </a:prstGeom>
+          <a:noFill/>
+          <a:ln>
+            <a:solidFill>
+              <a:schemeClr val="tx1"/>
+            </a:solidFill>
+          </a:ln>
+        </p:spPr>
+        <p:style>
+          <a:lnRef idx="2">
+            <a:schemeClr val="accent1">
+              <a:shade val="50000"/>
+            </a:schemeClr>
+          </a:lnRef>
+          <a:fillRef idx="1">
+            <a:schemeClr val="accent1"/>
+          </a:fillRef>
+          <a:effectRef idx="0">
+            <a:schemeClr val="accent1"/>
+          </a:effectRef>
+          <a:fontRef idx="minor">
+            <a:schemeClr val="lt1"/>
+          </a:fontRef>
+        </p:style>
+        <p:txBody>
+          <a:bodyPr rtlCol="0" anchor="ctr"/>
+          <a:lstStyle/>
+          <a:p>
+            <a:pPr algn="ctr"/>
+            <a:endParaRPr lang="en-US"/>
+          </a:p>
+        </p:txBody>
+      </p:sp>
     </p:spTree>
     <p:extLst>
       <p:ext uri="{BB962C8B-B14F-4D97-AF65-F5344CB8AC3E}">
